--- a/Documantions/Freelancer work system.pptx
+++ b/Documantions/Freelancer work system.pptx
@@ -5,7 +5,7 @@
     <p:sldMasterId id="2147483672" r:id="rId1"/>
   </p:sldMasterIdLst>
   <p:notesMasterIdLst>
-    <p:notesMasterId r:id="rId10"/>
+    <p:notesMasterId r:id="rId13"/>
   </p:notesMasterIdLst>
   <p:sldIdLst>
     <p:sldId id="256" r:id="rId2"/>
@@ -16,6 +16,9 @@
     <p:sldId id="262" r:id="rId7"/>
     <p:sldId id="263" r:id="rId8"/>
     <p:sldId id="261" r:id="rId9"/>
+    <p:sldId id="264" r:id="rId10"/>
+    <p:sldId id="265" r:id="rId11"/>
+    <p:sldId id="266" r:id="rId12"/>
   </p:sldIdLst>
   <p:sldSz cx="9144000" cy="6858000" type="screen4x3"/>
   <p:notesSz cx="6858000" cy="9144000"/>
@@ -542,6 +545,90 @@
     <p:extLst>
       <p:ext uri="{BB962C8B-B14F-4D97-AF65-F5344CB8AC3E}">
         <p14:creationId xmlns:p14="http://schemas.microsoft.com/office/powerpoint/2010/main" val="2009419077"/>
+      </p:ext>
+    </p:extLst>
+  </p:cSld>
+  <p:clrMapOvr>
+    <a:masterClrMapping/>
+  </p:clrMapOvr>
+</p:notes>
+</file>
+
+<file path=ppt/notesSlides/notesSlide2.xml><?xml version="1.0" encoding="utf-8"?>
+<p:notes xmlns:a="http://schemas.openxmlformats.org/drawingml/2006/main" xmlns:r="http://schemas.openxmlformats.org/officeDocument/2006/relationships" xmlns:p="http://schemas.openxmlformats.org/presentationml/2006/main">
+  <p:cSld>
+    <p:spTree>
+      <p:nvGrpSpPr>
+        <p:cNvPr id="1" name=""/>
+        <p:cNvGrpSpPr/>
+        <p:nvPr/>
+      </p:nvGrpSpPr>
+      <p:grpSpPr>
+        <a:xfrm>
+          <a:off x="0" y="0"/>
+          <a:ext cx="0" cy="0"/>
+          <a:chOff x="0" y="0"/>
+          <a:chExt cx="0" cy="0"/>
+        </a:xfrm>
+      </p:grpSpPr>
+      <p:sp>
+        <p:nvSpPr>
+          <p:cNvPr id="2" name="Slide Image Placeholder 1"/>
+          <p:cNvSpPr>
+            <a:spLocks noGrp="1" noRot="1" noChangeAspect="1"/>
+          </p:cNvSpPr>
+          <p:nvPr>
+            <p:ph type="sldImg"/>
+          </p:nvPr>
+        </p:nvSpPr>
+        <p:spPr/>
+      </p:sp>
+      <p:sp>
+        <p:nvSpPr>
+          <p:cNvPr id="3" name="Notes Placeholder 2"/>
+          <p:cNvSpPr>
+            <a:spLocks noGrp="1"/>
+          </p:cNvSpPr>
+          <p:nvPr>
+            <p:ph type="body" idx="1"/>
+          </p:nvPr>
+        </p:nvSpPr>
+        <p:spPr/>
+        <p:txBody>
+          <a:bodyPr/>
+          <a:lstStyle/>
+          <a:p>
+            <a:endParaRPr lang="en-US" dirty="0"/>
+          </a:p>
+        </p:txBody>
+      </p:sp>
+      <p:sp>
+        <p:nvSpPr>
+          <p:cNvPr id="4" name="Slide Number Placeholder 3"/>
+          <p:cNvSpPr>
+            <a:spLocks noGrp="1"/>
+          </p:cNvSpPr>
+          <p:nvPr>
+            <p:ph type="sldNum" sz="quarter" idx="10"/>
+          </p:nvPr>
+        </p:nvSpPr>
+        <p:spPr/>
+        <p:txBody>
+          <a:bodyPr/>
+          <a:lstStyle/>
+          <a:p>
+            <a:fld id="{7F41929A-CBFE-499C-AFD9-AFC57D05CB09}" type="slidenum">
+              <a:rPr lang="en-US" smtClean="0"/>
+              <a:t>11</a:t>
+            </a:fld>
+            <a:endParaRPr lang="en-US"/>
+          </a:p>
+        </p:txBody>
+      </p:sp>
+    </p:spTree>
+    <p:extLst>
+      <p:ext uri="{BB962C8B-B14F-4D97-AF65-F5344CB8AC3E}">
+        <p14:creationId xmlns:p14="http://schemas.microsoft.com/office/powerpoint/2010/main" val="2587358091"/>
       </p:ext>
     </p:extLst>
   </p:cSld>
@@ -3599,6 +3686,1379 @@
 </p:sld>
 </file>
 
+<file path=ppt/slides/slide10.xml><?xml version="1.0" encoding="utf-8"?>
+<p:sld xmlns:a="http://schemas.openxmlformats.org/drawingml/2006/main" xmlns:r="http://schemas.openxmlformats.org/officeDocument/2006/relationships" xmlns:p="http://schemas.openxmlformats.org/presentationml/2006/main">
+  <p:cSld>
+    <p:spTree>
+      <p:nvGrpSpPr>
+        <p:cNvPr id="1" name=""/>
+        <p:cNvGrpSpPr/>
+        <p:nvPr/>
+      </p:nvGrpSpPr>
+      <p:grpSpPr>
+        <a:xfrm>
+          <a:off x="0" y="0"/>
+          <a:ext cx="0" cy="0"/>
+          <a:chOff x="0" y="0"/>
+          <a:chExt cx="0" cy="0"/>
+        </a:xfrm>
+      </p:grpSpPr>
+      <p:sp>
+        <p:nvSpPr>
+          <p:cNvPr id="2" name="Title 1"/>
+          <p:cNvSpPr>
+            <a:spLocks noGrp="1"/>
+          </p:cNvSpPr>
+          <p:nvPr>
+            <p:ph type="title"/>
+          </p:nvPr>
+        </p:nvSpPr>
+        <p:spPr>
+          <a:xfrm>
+            <a:off x="1828800" y="838200"/>
+            <a:ext cx="5791200" cy="838200"/>
+          </a:xfrm>
+        </p:spPr>
+        <p:txBody>
+          <a:bodyPr>
+            <a:normAutofit/>
+          </a:bodyPr>
+          <a:lstStyle/>
+          <a:p>
+            <a:r>
+              <a:rPr lang="ar-EG" sz="3600" dirty="0" smtClean="0">
+                <a:solidFill>
+                  <a:schemeClr val="bg2">
+                    <a:lumMod val="40000"/>
+                    <a:lumOff val="60000"/>
+                  </a:schemeClr>
+                </a:solidFill>
+              </a:rPr>
+              <a:t>أنظمة العمل الحر السابقة </a:t>
+            </a:r>
+            <a:endParaRPr lang="en-US" sz="3600" dirty="0">
+              <a:solidFill>
+                <a:schemeClr val="bg2">
+                  <a:lumMod val="40000"/>
+                  <a:lumOff val="60000"/>
+                </a:schemeClr>
+              </a:solidFill>
+            </a:endParaRPr>
+          </a:p>
+        </p:txBody>
+      </p:sp>
+      <p:pic>
+        <p:nvPicPr>
+          <p:cNvPr id="4" name="Content Placeholder 3"/>
+          <p:cNvPicPr>
+            <a:picLocks noGrp="1" noChangeAspect="1"/>
+          </p:cNvPicPr>
+          <p:nvPr>
+            <p:ph idx="1"/>
+          </p:nvPr>
+        </p:nvPicPr>
+        <p:blipFill>
+          <a:blip r:embed="rId2">
+            <a:extLst>
+              <a:ext uri="{28A0092B-C50C-407E-A947-70E740481C1C}">
+                <a14:useLocalDpi xmlns:a14="http://schemas.microsoft.com/office/drawing/2010/main" val="0"/>
+              </a:ext>
+            </a:extLst>
+          </a:blip>
+          <a:stretch>
+            <a:fillRect/>
+          </a:stretch>
+        </p:blipFill>
+        <p:spPr>
+          <a:xfrm>
+            <a:off x="304800" y="152400"/>
+            <a:ext cx="1676400" cy="762000"/>
+          </a:xfrm>
+        </p:spPr>
+      </p:pic>
+    </p:spTree>
+    <p:extLst>
+      <p:ext uri="{BB962C8B-B14F-4D97-AF65-F5344CB8AC3E}">
+        <p14:creationId xmlns:p14="http://schemas.microsoft.com/office/powerpoint/2010/main" val="2637953872"/>
+      </p:ext>
+    </p:extLst>
+  </p:cSld>
+  <p:clrMapOvr>
+    <a:masterClrMapping/>
+  </p:clrMapOvr>
+  <p:timing>
+    <p:tnLst>
+      <p:par>
+        <p:cTn id="1" dur="indefinite" restart="never" nodeType="tmRoot"/>
+      </p:par>
+    </p:tnLst>
+  </p:timing>
+</p:sld>
+</file>
+
+<file path=ppt/slides/slide11.xml><?xml version="1.0" encoding="utf-8"?>
+<p:sld xmlns:a="http://schemas.openxmlformats.org/drawingml/2006/main" xmlns:r="http://schemas.openxmlformats.org/officeDocument/2006/relationships" xmlns:p="http://schemas.openxmlformats.org/presentationml/2006/main">
+  <p:cSld>
+    <p:spTree>
+      <p:nvGrpSpPr>
+        <p:cNvPr id="1" name=""/>
+        <p:cNvGrpSpPr/>
+        <p:nvPr/>
+      </p:nvGrpSpPr>
+      <p:grpSpPr>
+        <a:xfrm>
+          <a:off x="0" y="0"/>
+          <a:ext cx="0" cy="0"/>
+          <a:chOff x="0" y="0"/>
+          <a:chExt cx="0" cy="0"/>
+        </a:xfrm>
+      </p:grpSpPr>
+      <p:sp>
+        <p:nvSpPr>
+          <p:cNvPr id="2" name="Title 1"/>
+          <p:cNvSpPr>
+            <a:spLocks noGrp="1"/>
+          </p:cNvSpPr>
+          <p:nvPr>
+            <p:ph type="title"/>
+          </p:nvPr>
+        </p:nvSpPr>
+        <p:spPr>
+          <a:xfrm>
+            <a:off x="838200" y="838200"/>
+            <a:ext cx="7696200" cy="685800"/>
+          </a:xfrm>
+        </p:spPr>
+        <p:txBody>
+          <a:bodyPr>
+            <a:normAutofit fontScale="90000"/>
+          </a:bodyPr>
+          <a:lstStyle/>
+          <a:p>
+            <a:r>
+              <a:rPr lang="ar-EG" dirty="0" smtClean="0">
+                <a:solidFill>
+                  <a:schemeClr val="bg2">
+                    <a:lumMod val="40000"/>
+                    <a:lumOff val="60000"/>
+                  </a:schemeClr>
+                </a:solidFill>
+              </a:rPr>
+              <a:t>الادوات المستخدمة</a:t>
+            </a:r>
+            <a:endParaRPr lang="en-US" dirty="0">
+              <a:solidFill>
+                <a:schemeClr val="bg2">
+                  <a:lumMod val="40000"/>
+                  <a:lumOff val="60000"/>
+                </a:schemeClr>
+              </a:solidFill>
+            </a:endParaRPr>
+          </a:p>
+        </p:txBody>
+      </p:sp>
+      <p:pic>
+        <p:nvPicPr>
+          <p:cNvPr id="4" name="Content Placeholder 3"/>
+          <p:cNvPicPr>
+            <a:picLocks noGrp="1" noChangeAspect="1"/>
+          </p:cNvPicPr>
+          <p:nvPr>
+            <p:ph idx="1"/>
+          </p:nvPr>
+        </p:nvPicPr>
+        <p:blipFill>
+          <a:blip r:embed="rId3">
+            <a:extLst>
+              <a:ext uri="{28A0092B-C50C-407E-A947-70E740481C1C}">
+                <a14:useLocalDpi xmlns:a14="http://schemas.microsoft.com/office/drawing/2010/main" val="0"/>
+              </a:ext>
+            </a:extLst>
+          </a:blip>
+          <a:stretch>
+            <a:fillRect/>
+          </a:stretch>
+        </p:blipFill>
+        <p:spPr>
+          <a:xfrm>
+            <a:off x="152400" y="228600"/>
+            <a:ext cx="1752600" cy="762000"/>
+          </a:xfrm>
+        </p:spPr>
+      </p:pic>
+      <p:graphicFrame>
+        <p:nvGraphicFramePr>
+          <p:cNvPr id="7" name="Table 6"/>
+          <p:cNvGraphicFramePr>
+            <a:graphicFrameLocks noGrp="1"/>
+          </p:cNvGraphicFramePr>
+          <p:nvPr>
+            <p:extLst>
+              <p:ext uri="{D42A27DB-BD31-4B8C-83A1-F6EECF244321}">
+                <p14:modId xmlns:p14="http://schemas.microsoft.com/office/powerpoint/2010/main" val="1134986582"/>
+              </p:ext>
+            </p:extLst>
+          </p:nvPr>
+        </p:nvGraphicFramePr>
+        <p:xfrm>
+          <a:off x="1066800" y="1752600"/>
+          <a:ext cx="7162800" cy="4731974"/>
+        </p:xfrm>
+        <a:graphic>
+          <a:graphicData uri="http://schemas.openxmlformats.org/drawingml/2006/table">
+            <a:tbl>
+              <a:tblPr firstRow="1" bandRow="1">
+                <a:tableStyleId>{3C2FFA5D-87B4-456A-9821-1D502468CF0F}</a:tableStyleId>
+              </a:tblPr>
+              <a:tblGrid>
+                <a:gridCol w="2387600"/>
+                <a:gridCol w="2387600"/>
+                <a:gridCol w="2387600"/>
+              </a:tblGrid>
+              <a:tr h="1059226">
+                <a:tc>
+                  <a:txBody>
+                    <a:bodyPr/>
+                    <a:lstStyle/>
+                    <a:p>
+                      <a:endParaRPr lang="ar-EG" dirty="0" smtClean="0"/>
+                    </a:p>
+                    <a:p>
+                      <a:r>
+                        <a:rPr lang="en-US" sz="2800" dirty="0" smtClean="0"/>
+                        <a:t> IDE</a:t>
+                      </a:r>
+                      <a:r>
+                        <a:rPr lang="ar-EG" sz="2800" dirty="0" smtClean="0"/>
+                        <a:t>بيئة التطوير   </a:t>
+                      </a:r>
+                      <a:endParaRPr lang="en-US" sz="2800" dirty="0">
+                        <a:solidFill>
+                          <a:srgbClr val="FF0066"/>
+                        </a:solidFill>
+                      </a:endParaRPr>
+                    </a:p>
+                  </a:txBody>
+                  <a:tcPr>
+                    <a:lnL w="12700" cap="flat" cmpd="sng" algn="ctr">
+                      <a:solidFill>
+                        <a:schemeClr val="tx1"/>
+                      </a:solidFill>
+                      <a:prstDash val="solid"/>
+                      <a:round/>
+                      <a:headEnd type="none" w="med" len="med"/>
+                      <a:tailEnd type="none" w="med" len="med"/>
+                    </a:lnL>
+                    <a:lnR w="12700" cap="flat" cmpd="sng" algn="ctr">
+                      <a:solidFill>
+                        <a:schemeClr val="tx1"/>
+                      </a:solidFill>
+                      <a:prstDash val="solid"/>
+                      <a:round/>
+                      <a:headEnd type="none" w="med" len="med"/>
+                      <a:tailEnd type="none" w="med" len="med"/>
+                    </a:lnR>
+                    <a:lnT w="12700" cap="flat" cmpd="sng" algn="ctr">
+                      <a:solidFill>
+                        <a:schemeClr val="tx1"/>
+                      </a:solidFill>
+                      <a:prstDash val="solid"/>
+                      <a:round/>
+                      <a:headEnd type="none" w="med" len="med"/>
+                      <a:tailEnd type="none" w="med" len="med"/>
+                    </a:lnT>
+                    <a:lnB w="12700" cap="flat" cmpd="sng" algn="ctr">
+                      <a:solidFill>
+                        <a:schemeClr val="tx1"/>
+                      </a:solidFill>
+                      <a:prstDash val="solid"/>
+                      <a:round/>
+                      <a:headEnd type="none" w="med" len="med"/>
+                      <a:tailEnd type="none" w="med" len="med"/>
+                    </a:lnB>
+                    <a:lnTlToBr w="12700" cmpd="sng">
+                      <a:noFill/>
+                      <a:prstDash val="solid"/>
+                    </a:lnTlToBr>
+                    <a:lnBlToTr w="12700" cmpd="sng">
+                      <a:noFill/>
+                      <a:prstDash val="solid"/>
+                    </a:lnBlToTr>
+                  </a:tcPr>
+                </a:tc>
+                <a:tc>
+                  <a:txBody>
+                    <a:bodyPr/>
+                    <a:lstStyle/>
+                    <a:p>
+                      <a:endParaRPr lang="ar-EG" dirty="0" smtClean="0"/>
+                    </a:p>
+                    <a:p>
+                      <a:r>
+                        <a:rPr lang="ar-EG" sz="2800" dirty="0" smtClean="0"/>
+                        <a:t>الأداة البرمجية</a:t>
+                      </a:r>
+                      <a:r>
+                        <a:rPr lang="ar-EG" sz="2800" baseline="0" dirty="0" smtClean="0"/>
+                        <a:t>  </a:t>
+                      </a:r>
+                      <a:r>
+                        <a:rPr lang="ar-EG" sz="2800" dirty="0" smtClean="0"/>
+                        <a:t> </a:t>
+                      </a:r>
+                      <a:r>
+                        <a:rPr lang="en-US" sz="2800" dirty="0" smtClean="0"/>
+                        <a:t> </a:t>
+                      </a:r>
+                      <a:r>
+                        <a:rPr lang="ar-EG" sz="2800" dirty="0" smtClean="0"/>
+                        <a:t> </a:t>
+                      </a:r>
+                      <a:endParaRPr lang="en-US" sz="2800" dirty="0">
+                        <a:solidFill>
+                          <a:srgbClr val="FF0066"/>
+                        </a:solidFill>
+                      </a:endParaRPr>
+                    </a:p>
+                  </a:txBody>
+                  <a:tcPr>
+                    <a:lnL w="12700" cap="flat" cmpd="sng" algn="ctr">
+                      <a:solidFill>
+                        <a:schemeClr val="tx1"/>
+                      </a:solidFill>
+                      <a:prstDash val="solid"/>
+                      <a:round/>
+                      <a:headEnd type="none" w="med" len="med"/>
+                      <a:tailEnd type="none" w="med" len="med"/>
+                    </a:lnL>
+                    <a:lnR w="12700" cap="flat" cmpd="sng" algn="ctr">
+                      <a:solidFill>
+                        <a:schemeClr val="tx1"/>
+                      </a:solidFill>
+                      <a:prstDash val="solid"/>
+                      <a:round/>
+                      <a:headEnd type="none" w="med" len="med"/>
+                      <a:tailEnd type="none" w="med" len="med"/>
+                    </a:lnR>
+                    <a:lnT w="12700" cap="flat" cmpd="sng" algn="ctr">
+                      <a:solidFill>
+                        <a:schemeClr val="tx1"/>
+                      </a:solidFill>
+                      <a:prstDash val="solid"/>
+                      <a:round/>
+                      <a:headEnd type="none" w="med" len="med"/>
+                      <a:tailEnd type="none" w="med" len="med"/>
+                    </a:lnT>
+                    <a:lnB w="12700" cap="flat" cmpd="sng" algn="ctr">
+                      <a:solidFill>
+                        <a:schemeClr val="tx1"/>
+                      </a:solidFill>
+                      <a:prstDash val="solid"/>
+                      <a:round/>
+                      <a:headEnd type="none" w="med" len="med"/>
+                      <a:tailEnd type="none" w="med" len="med"/>
+                    </a:lnB>
+                    <a:lnTlToBr w="12700" cmpd="sng">
+                      <a:noFill/>
+                      <a:prstDash val="solid"/>
+                    </a:lnTlToBr>
+                    <a:lnBlToTr w="12700" cmpd="sng">
+                      <a:noFill/>
+                      <a:prstDash val="solid"/>
+                    </a:lnBlToTr>
+                  </a:tcPr>
+                </a:tc>
+                <a:tc>
+                  <a:txBody>
+                    <a:bodyPr/>
+                    <a:lstStyle/>
+                    <a:p>
+                      <a:endParaRPr lang="ar-EG" dirty="0" smtClean="0"/>
+                    </a:p>
+                    <a:p>
+                      <a:r>
+                        <a:rPr lang="ar-EG" sz="2800" dirty="0" smtClean="0"/>
+                        <a:t>الأستخدام</a:t>
+                      </a:r>
+                      <a:r>
+                        <a:rPr lang="ar-EG" sz="2800" baseline="0" dirty="0" smtClean="0"/>
+                        <a:t>       </a:t>
+                      </a:r>
+                      <a:endParaRPr lang="en-US" sz="2800" dirty="0">
+                        <a:solidFill>
+                          <a:srgbClr val="FF0066"/>
+                        </a:solidFill>
+                      </a:endParaRPr>
+                    </a:p>
+                  </a:txBody>
+                  <a:tcPr>
+                    <a:lnL w="12700" cap="flat" cmpd="sng" algn="ctr">
+                      <a:solidFill>
+                        <a:schemeClr val="tx1"/>
+                      </a:solidFill>
+                      <a:prstDash val="solid"/>
+                      <a:round/>
+                      <a:headEnd type="none" w="med" len="med"/>
+                      <a:tailEnd type="none" w="med" len="med"/>
+                    </a:lnL>
+                    <a:lnR w="12700" cap="flat" cmpd="sng" algn="ctr">
+                      <a:solidFill>
+                        <a:schemeClr val="tx1"/>
+                      </a:solidFill>
+                      <a:prstDash val="solid"/>
+                      <a:round/>
+                      <a:headEnd type="none" w="med" len="med"/>
+                      <a:tailEnd type="none" w="med" len="med"/>
+                    </a:lnR>
+                    <a:lnT w="12700" cap="flat" cmpd="sng" algn="ctr">
+                      <a:solidFill>
+                        <a:schemeClr val="tx1"/>
+                      </a:solidFill>
+                      <a:prstDash val="solid"/>
+                      <a:round/>
+                      <a:headEnd type="none" w="med" len="med"/>
+                      <a:tailEnd type="none" w="med" len="med"/>
+                    </a:lnT>
+                    <a:lnB w="12700" cap="flat" cmpd="sng" algn="ctr">
+                      <a:solidFill>
+                        <a:schemeClr val="tx1"/>
+                      </a:solidFill>
+                      <a:prstDash val="solid"/>
+                      <a:round/>
+                      <a:headEnd type="none" w="med" len="med"/>
+                      <a:tailEnd type="none" w="med" len="med"/>
+                    </a:lnB>
+                    <a:lnTlToBr w="12700" cmpd="sng">
+                      <a:noFill/>
+                      <a:prstDash val="solid"/>
+                    </a:lnTlToBr>
+                    <a:lnBlToTr w="12700" cmpd="sng">
+                      <a:noFill/>
+                      <a:prstDash val="solid"/>
+                    </a:lnBlToTr>
+                  </a:tcPr>
+                </a:tc>
+              </a:tr>
+              <a:tr h="796267">
+                <a:tc>
+                  <a:txBody>
+                    <a:bodyPr/>
+                    <a:lstStyle/>
+                    <a:p>
+                      <a:endParaRPr lang="en-US" dirty="0" smtClean="0"/>
+                    </a:p>
+                    <a:p>
+                      <a:pPr algn="ctr"/>
+                      <a:r>
+                        <a:rPr lang="en-US" sz="2000" dirty="0" smtClean="0">
+                          <a:solidFill>
+                            <a:srgbClr val="FF0066"/>
+                          </a:solidFill>
+                        </a:rPr>
+                        <a:t>Php my admin </a:t>
+                      </a:r>
+                      <a:endParaRPr lang="en-US" sz="2000" dirty="0">
+                        <a:solidFill>
+                          <a:srgbClr val="FF0066"/>
+                        </a:solidFill>
+                      </a:endParaRPr>
+                    </a:p>
+                  </a:txBody>
+                  <a:tcPr>
+                    <a:lnL w="12700" cap="flat" cmpd="sng" algn="ctr">
+                      <a:solidFill>
+                        <a:schemeClr val="tx1"/>
+                      </a:solidFill>
+                      <a:prstDash val="solid"/>
+                      <a:round/>
+                      <a:headEnd type="none" w="med" len="med"/>
+                      <a:tailEnd type="none" w="med" len="med"/>
+                    </a:lnL>
+                    <a:lnR w="12700" cap="flat" cmpd="sng" algn="ctr">
+                      <a:solidFill>
+                        <a:schemeClr val="tx1"/>
+                      </a:solidFill>
+                      <a:prstDash val="solid"/>
+                      <a:round/>
+                      <a:headEnd type="none" w="med" len="med"/>
+                      <a:tailEnd type="none" w="med" len="med"/>
+                    </a:lnR>
+                    <a:lnT w="12700" cap="flat" cmpd="sng" algn="ctr">
+                      <a:solidFill>
+                        <a:schemeClr val="tx1"/>
+                      </a:solidFill>
+                      <a:prstDash val="solid"/>
+                      <a:round/>
+                      <a:headEnd type="none" w="med" len="med"/>
+                      <a:tailEnd type="none" w="med" len="med"/>
+                    </a:lnT>
+                    <a:lnB w="12700" cap="flat" cmpd="sng" algn="ctr">
+                      <a:solidFill>
+                        <a:schemeClr val="tx1"/>
+                      </a:solidFill>
+                      <a:prstDash val="solid"/>
+                      <a:round/>
+                      <a:headEnd type="none" w="med" len="med"/>
+                      <a:tailEnd type="none" w="med" len="med"/>
+                    </a:lnB>
+                    <a:lnTlToBr w="12700" cmpd="sng">
+                      <a:noFill/>
+                      <a:prstDash val="solid"/>
+                    </a:lnTlToBr>
+                    <a:lnBlToTr w="12700" cmpd="sng">
+                      <a:noFill/>
+                      <a:prstDash val="solid"/>
+                    </a:lnBlToTr>
+                  </a:tcPr>
+                </a:tc>
+                <a:tc>
+                  <a:txBody>
+                    <a:bodyPr/>
+                    <a:lstStyle/>
+                    <a:p>
+                      <a:endParaRPr lang="en-US" dirty="0" smtClean="0"/>
+                    </a:p>
+                    <a:p>
+                      <a:pPr algn="ctr"/>
+                      <a:r>
+                        <a:rPr lang="en-US" sz="2000" dirty="0" smtClean="0">
+                          <a:solidFill>
+                            <a:srgbClr val="FF0066"/>
+                          </a:solidFill>
+                        </a:rPr>
+                        <a:t>       My</a:t>
+                      </a:r>
+                      <a:r>
+                        <a:rPr lang="en-US" sz="2000" baseline="0" dirty="0" smtClean="0">
+                          <a:solidFill>
+                            <a:srgbClr val="FF0066"/>
+                          </a:solidFill>
+                        </a:rPr>
+                        <a:t> sql</a:t>
+                      </a:r>
+                      <a:endParaRPr lang="en-US" sz="2000" dirty="0">
+                        <a:solidFill>
+                          <a:srgbClr val="FF0066"/>
+                        </a:solidFill>
+                      </a:endParaRPr>
+                    </a:p>
+                  </a:txBody>
+                  <a:tcPr>
+                    <a:lnL w="12700" cap="flat" cmpd="sng" algn="ctr">
+                      <a:solidFill>
+                        <a:schemeClr val="tx1"/>
+                      </a:solidFill>
+                      <a:prstDash val="solid"/>
+                      <a:round/>
+                      <a:headEnd type="none" w="med" len="med"/>
+                      <a:tailEnd type="none" w="med" len="med"/>
+                    </a:lnL>
+                    <a:lnR w="12700" cap="flat" cmpd="sng" algn="ctr">
+                      <a:solidFill>
+                        <a:schemeClr val="tx1"/>
+                      </a:solidFill>
+                      <a:prstDash val="solid"/>
+                      <a:round/>
+                      <a:headEnd type="none" w="med" len="med"/>
+                      <a:tailEnd type="none" w="med" len="med"/>
+                    </a:lnR>
+                    <a:lnT w="12700" cap="flat" cmpd="sng" algn="ctr">
+                      <a:solidFill>
+                        <a:schemeClr val="tx1"/>
+                      </a:solidFill>
+                      <a:prstDash val="solid"/>
+                      <a:round/>
+                      <a:headEnd type="none" w="med" len="med"/>
+                      <a:tailEnd type="none" w="med" len="med"/>
+                    </a:lnT>
+                    <a:lnB w="12700" cap="flat" cmpd="sng" algn="ctr">
+                      <a:solidFill>
+                        <a:schemeClr val="tx1"/>
+                      </a:solidFill>
+                      <a:prstDash val="solid"/>
+                      <a:round/>
+                      <a:headEnd type="none" w="med" len="med"/>
+                      <a:tailEnd type="none" w="med" len="med"/>
+                    </a:lnB>
+                    <a:lnTlToBr w="12700" cmpd="sng">
+                      <a:noFill/>
+                      <a:prstDash val="solid"/>
+                    </a:lnTlToBr>
+                    <a:lnBlToTr w="12700" cmpd="sng">
+                      <a:noFill/>
+                      <a:prstDash val="solid"/>
+                    </a:lnBlToTr>
+                  </a:tcPr>
+                </a:tc>
+                <a:tc>
+                  <a:txBody>
+                    <a:bodyPr/>
+                    <a:lstStyle/>
+                    <a:p>
+                      <a:pPr marL="0" marR="0" indent="0" algn="l" defTabSz="914400" rtl="0" eaLnBrk="1" fontAlgn="auto" latinLnBrk="0" hangingPunct="1">
+                        <a:lnSpc>
+                          <a:spcPct val="100000"/>
+                        </a:lnSpc>
+                        <a:spcBef>
+                          <a:spcPts val="0"/>
+                        </a:spcBef>
+                        <a:spcAft>
+                          <a:spcPts val="0"/>
+                        </a:spcAft>
+                        <a:buClrTx/>
+                        <a:buSzTx/>
+                        <a:buFontTx/>
+                        <a:buNone/>
+                        <a:tabLst/>
+                        <a:defRPr/>
+                      </a:pPr>
+                      <a:endParaRPr lang="ar-EG" sz="1800" kern="1200" dirty="0" smtClean="0">
+                        <a:solidFill>
+                          <a:schemeClr val="dk1"/>
+                        </a:solidFill>
+                        <a:effectLst>
+                          <a:glow rad="127000">
+                            <a:schemeClr val="bg1"/>
+                          </a:glow>
+                        </a:effectLst>
+                        <a:latin typeface="+mn-lt"/>
+                        <a:ea typeface="+mn-ea"/>
+                        <a:cs typeface="+mn-cs"/>
+                      </a:endParaRPr>
+                    </a:p>
+                    <a:p>
+                      <a:pPr marL="0" marR="0" indent="0" algn="ctr" defTabSz="914400" rtl="0" eaLnBrk="1" fontAlgn="auto" latinLnBrk="0" hangingPunct="1">
+                        <a:lnSpc>
+                          <a:spcPct val="100000"/>
+                        </a:lnSpc>
+                        <a:spcBef>
+                          <a:spcPts val="0"/>
+                        </a:spcBef>
+                        <a:spcAft>
+                          <a:spcPts val="0"/>
+                        </a:spcAft>
+                        <a:buClrTx/>
+                        <a:buSzTx/>
+                        <a:buFontTx/>
+                        <a:buNone/>
+                        <a:tabLst/>
+                        <a:defRPr/>
+                      </a:pPr>
+                      <a:r>
+                        <a:rPr lang="ar-EG" sz="2000" kern="1200" dirty="0" smtClean="0">
+                          <a:solidFill>
+                            <a:srgbClr val="FF0066"/>
+                          </a:solidFill>
+                          <a:effectLst/>
+                          <a:latin typeface="+mn-lt"/>
+                          <a:ea typeface="+mn-ea"/>
+                          <a:cs typeface="+mn-cs"/>
+                        </a:rPr>
+                        <a:t>أنشاء</a:t>
+                      </a:r>
+                      <a:r>
+                        <a:rPr lang="ar-EG" sz="2000" kern="1200" baseline="0" dirty="0" smtClean="0">
+                          <a:solidFill>
+                            <a:srgbClr val="FF0066"/>
+                          </a:solidFill>
+                          <a:effectLst/>
+                          <a:latin typeface="+mn-lt"/>
+                          <a:ea typeface="+mn-ea"/>
+                          <a:cs typeface="+mn-cs"/>
+                        </a:rPr>
+                        <a:t> قاعدة البيانات       </a:t>
+                      </a:r>
+                      <a:endParaRPr lang="en-US" sz="2000" kern="1200" dirty="0" smtClean="0">
+                        <a:solidFill>
+                          <a:srgbClr val="FF0066"/>
+                        </a:solidFill>
+                        <a:effectLst>
+                          <a:glow rad="127000">
+                            <a:schemeClr val="bg1"/>
+                          </a:glow>
+                        </a:effectLst>
+                        <a:latin typeface="+mn-lt"/>
+                        <a:ea typeface="+mn-ea"/>
+                        <a:cs typeface="+mn-cs"/>
+                      </a:endParaRPr>
+                    </a:p>
+                  </a:txBody>
+                  <a:tcPr>
+                    <a:lnL w="12700" cap="flat" cmpd="sng" algn="ctr">
+                      <a:solidFill>
+                        <a:schemeClr val="tx1"/>
+                      </a:solidFill>
+                      <a:prstDash val="solid"/>
+                      <a:round/>
+                      <a:headEnd type="none" w="med" len="med"/>
+                      <a:tailEnd type="none" w="med" len="med"/>
+                    </a:lnL>
+                    <a:lnR w="12700" cap="flat" cmpd="sng" algn="ctr">
+                      <a:solidFill>
+                        <a:schemeClr val="tx1"/>
+                      </a:solidFill>
+                      <a:prstDash val="solid"/>
+                      <a:round/>
+                      <a:headEnd type="none" w="med" len="med"/>
+                      <a:tailEnd type="none" w="med" len="med"/>
+                    </a:lnR>
+                    <a:lnT w="12700" cap="flat" cmpd="sng" algn="ctr">
+                      <a:solidFill>
+                        <a:schemeClr val="tx1"/>
+                      </a:solidFill>
+                      <a:prstDash val="solid"/>
+                      <a:round/>
+                      <a:headEnd type="none" w="med" len="med"/>
+                      <a:tailEnd type="none" w="med" len="med"/>
+                    </a:lnT>
+                    <a:lnB w="12700" cap="flat" cmpd="sng" algn="ctr">
+                      <a:solidFill>
+                        <a:schemeClr val="tx1"/>
+                      </a:solidFill>
+                      <a:prstDash val="solid"/>
+                      <a:round/>
+                      <a:headEnd type="none" w="med" len="med"/>
+                      <a:tailEnd type="none" w="med" len="med"/>
+                    </a:lnB>
+                    <a:lnTlToBr w="12700" cmpd="sng">
+                      <a:noFill/>
+                      <a:prstDash val="solid"/>
+                    </a:lnTlToBr>
+                    <a:lnBlToTr w="12700" cmpd="sng">
+                      <a:noFill/>
+                      <a:prstDash val="solid"/>
+                    </a:lnBlToTr>
+                  </a:tcPr>
+                </a:tc>
+              </a:tr>
+              <a:tr h="796267">
+                <a:tc>
+                  <a:txBody>
+                    <a:bodyPr/>
+                    <a:lstStyle/>
+                    <a:p>
+                      <a:endParaRPr lang="en-US"/>
+                    </a:p>
+                  </a:txBody>
+                  <a:tcPr>
+                    <a:lnL w="12700" cap="flat" cmpd="sng" algn="ctr">
+                      <a:solidFill>
+                        <a:schemeClr val="tx1"/>
+                      </a:solidFill>
+                      <a:prstDash val="solid"/>
+                      <a:round/>
+                      <a:headEnd type="none" w="med" len="med"/>
+                      <a:tailEnd type="none" w="med" len="med"/>
+                    </a:lnL>
+                    <a:lnR w="12700" cap="flat" cmpd="sng" algn="ctr">
+                      <a:solidFill>
+                        <a:schemeClr val="tx1"/>
+                      </a:solidFill>
+                      <a:prstDash val="solid"/>
+                      <a:round/>
+                      <a:headEnd type="none" w="med" len="med"/>
+                      <a:tailEnd type="none" w="med" len="med"/>
+                    </a:lnR>
+                    <a:lnT w="12700" cap="flat" cmpd="sng" algn="ctr">
+                      <a:solidFill>
+                        <a:schemeClr val="tx1"/>
+                      </a:solidFill>
+                      <a:prstDash val="solid"/>
+                      <a:round/>
+                      <a:headEnd type="none" w="med" len="med"/>
+                      <a:tailEnd type="none" w="med" len="med"/>
+                    </a:lnT>
+                    <a:lnB w="12700" cap="flat" cmpd="sng" algn="ctr">
+                      <a:solidFill>
+                        <a:schemeClr val="tx1"/>
+                      </a:solidFill>
+                      <a:prstDash val="solid"/>
+                      <a:round/>
+                      <a:headEnd type="none" w="med" len="med"/>
+                      <a:tailEnd type="none" w="med" len="med"/>
+                    </a:lnB>
+                    <a:lnTlToBr w="12700" cmpd="sng">
+                      <a:noFill/>
+                      <a:prstDash val="solid"/>
+                    </a:lnTlToBr>
+                    <a:lnBlToTr w="12700" cmpd="sng">
+                      <a:noFill/>
+                      <a:prstDash val="solid"/>
+                    </a:lnBlToTr>
+                  </a:tcPr>
+                </a:tc>
+                <a:tc>
+                  <a:txBody>
+                    <a:bodyPr/>
+                    <a:lstStyle/>
+                    <a:p>
+                      <a:r>
+                        <a:rPr lang="en-US" dirty="0" smtClean="0"/>
+                        <a:t> </a:t>
+                      </a:r>
+                    </a:p>
+                    <a:p>
+                      <a:r>
+                        <a:rPr lang="en-US" dirty="0" smtClean="0"/>
+                        <a:t>      </a:t>
+                      </a:r>
+                    </a:p>
+                  </a:txBody>
+                  <a:tcPr>
+                    <a:lnL w="12700" cap="flat" cmpd="sng" algn="ctr">
+                      <a:solidFill>
+                        <a:schemeClr val="tx1"/>
+                      </a:solidFill>
+                      <a:prstDash val="solid"/>
+                      <a:round/>
+                      <a:headEnd type="none" w="med" len="med"/>
+                      <a:tailEnd type="none" w="med" len="med"/>
+                    </a:lnL>
+                    <a:lnR w="12700" cap="flat" cmpd="sng" algn="ctr">
+                      <a:solidFill>
+                        <a:schemeClr val="tx1"/>
+                      </a:solidFill>
+                      <a:prstDash val="solid"/>
+                      <a:round/>
+                      <a:headEnd type="none" w="med" len="med"/>
+                      <a:tailEnd type="none" w="med" len="med"/>
+                    </a:lnR>
+                    <a:lnT w="12700" cap="flat" cmpd="sng" algn="ctr">
+                      <a:solidFill>
+                        <a:schemeClr val="tx1"/>
+                      </a:solidFill>
+                      <a:prstDash val="solid"/>
+                      <a:round/>
+                      <a:headEnd type="none" w="med" len="med"/>
+                      <a:tailEnd type="none" w="med" len="med"/>
+                    </a:lnT>
+                    <a:lnB w="12700" cap="flat" cmpd="sng" algn="ctr">
+                      <a:solidFill>
+                        <a:schemeClr val="tx1"/>
+                      </a:solidFill>
+                      <a:prstDash val="solid"/>
+                      <a:round/>
+                      <a:headEnd type="none" w="med" len="med"/>
+                      <a:tailEnd type="none" w="med" len="med"/>
+                    </a:lnB>
+                    <a:lnTlToBr w="12700" cmpd="sng">
+                      <a:noFill/>
+                      <a:prstDash val="solid"/>
+                    </a:lnTlToBr>
+                    <a:lnBlToTr w="12700" cmpd="sng">
+                      <a:noFill/>
+                      <a:prstDash val="solid"/>
+                    </a:lnBlToTr>
+                  </a:tcPr>
+                </a:tc>
+                <a:tc>
+                  <a:txBody>
+                    <a:bodyPr/>
+                    <a:lstStyle/>
+                    <a:p>
+                      <a:endParaRPr lang="ar-EG" dirty="0" smtClean="0"/>
+                    </a:p>
+                    <a:p>
+                      <a:pPr algn="ctr"/>
+                      <a:r>
+                        <a:rPr lang="ar-EG" sz="2000" dirty="0" smtClean="0">
+                          <a:solidFill>
+                            <a:srgbClr val="FF0066"/>
+                          </a:solidFill>
+                        </a:rPr>
+                        <a:t>لغة برمجة الموقع </a:t>
+                      </a:r>
+                      <a:r>
+                        <a:rPr lang="ar-EG" sz="2000" dirty="0" smtClean="0"/>
+                        <a:t>       </a:t>
+                      </a:r>
+                      <a:endParaRPr lang="en-US" sz="2000" dirty="0"/>
+                    </a:p>
+                  </a:txBody>
+                  <a:tcPr>
+                    <a:lnL w="12700" cap="flat" cmpd="sng" algn="ctr">
+                      <a:solidFill>
+                        <a:schemeClr val="tx1"/>
+                      </a:solidFill>
+                      <a:prstDash val="solid"/>
+                      <a:round/>
+                      <a:headEnd type="none" w="med" len="med"/>
+                      <a:tailEnd type="none" w="med" len="med"/>
+                    </a:lnL>
+                    <a:lnR w="12700" cap="flat" cmpd="sng" algn="ctr">
+                      <a:solidFill>
+                        <a:schemeClr val="tx1"/>
+                      </a:solidFill>
+                      <a:prstDash val="solid"/>
+                      <a:round/>
+                      <a:headEnd type="none" w="med" len="med"/>
+                      <a:tailEnd type="none" w="med" len="med"/>
+                    </a:lnR>
+                    <a:lnT w="12700" cap="flat" cmpd="sng" algn="ctr">
+                      <a:solidFill>
+                        <a:schemeClr val="tx1"/>
+                      </a:solidFill>
+                      <a:prstDash val="solid"/>
+                      <a:round/>
+                      <a:headEnd type="none" w="med" len="med"/>
+                      <a:tailEnd type="none" w="med" len="med"/>
+                    </a:lnT>
+                    <a:lnB w="12700" cap="flat" cmpd="sng" algn="ctr">
+                      <a:solidFill>
+                        <a:schemeClr val="tx1"/>
+                      </a:solidFill>
+                      <a:prstDash val="solid"/>
+                      <a:round/>
+                      <a:headEnd type="none" w="med" len="med"/>
+                      <a:tailEnd type="none" w="med" len="med"/>
+                    </a:lnB>
+                    <a:lnTlToBr w="12700" cmpd="sng">
+                      <a:noFill/>
+                      <a:prstDash val="solid"/>
+                    </a:lnTlToBr>
+                    <a:lnBlToTr w="12700" cmpd="sng">
+                      <a:noFill/>
+                      <a:prstDash val="solid"/>
+                    </a:lnBlToTr>
+                  </a:tcPr>
+                </a:tc>
+              </a:tr>
+              <a:tr h="1246000">
+                <a:tc>
+                  <a:txBody>
+                    <a:bodyPr/>
+                    <a:lstStyle/>
+                    <a:p>
+                      <a:endParaRPr lang="en-US" dirty="0" smtClean="0"/>
+                    </a:p>
+                    <a:p>
+                      <a:endParaRPr lang="en-US" dirty="0" smtClean="0"/>
+                    </a:p>
+                    <a:p>
+                      <a:pPr algn="ctr"/>
+                      <a:r>
+                        <a:rPr lang="en-US" dirty="0" smtClean="0"/>
+                        <a:t>    </a:t>
+                      </a:r>
+                      <a:r>
+                        <a:rPr lang="en-US" sz="2000" dirty="0" smtClean="0">
+                          <a:solidFill>
+                            <a:srgbClr val="FF0066"/>
+                          </a:solidFill>
+                        </a:rPr>
+                        <a:t>bracket</a:t>
+                      </a:r>
+                      <a:endParaRPr lang="en-US" sz="2000" dirty="0">
+                        <a:solidFill>
+                          <a:srgbClr val="FF0066"/>
+                        </a:solidFill>
+                      </a:endParaRPr>
+                    </a:p>
+                  </a:txBody>
+                  <a:tcPr>
+                    <a:lnL w="12700" cap="flat" cmpd="sng" algn="ctr">
+                      <a:solidFill>
+                        <a:schemeClr val="tx1"/>
+                      </a:solidFill>
+                      <a:prstDash val="solid"/>
+                      <a:round/>
+                      <a:headEnd type="none" w="med" len="med"/>
+                      <a:tailEnd type="none" w="med" len="med"/>
+                    </a:lnL>
+                    <a:lnR w="12700" cap="flat" cmpd="sng" algn="ctr">
+                      <a:solidFill>
+                        <a:schemeClr val="tx1"/>
+                      </a:solidFill>
+                      <a:prstDash val="solid"/>
+                      <a:round/>
+                      <a:headEnd type="none" w="med" len="med"/>
+                      <a:tailEnd type="none" w="med" len="med"/>
+                    </a:lnR>
+                    <a:lnT w="12700" cap="flat" cmpd="sng" algn="ctr">
+                      <a:solidFill>
+                        <a:schemeClr val="tx1"/>
+                      </a:solidFill>
+                      <a:prstDash val="solid"/>
+                      <a:round/>
+                      <a:headEnd type="none" w="med" len="med"/>
+                      <a:tailEnd type="none" w="med" len="med"/>
+                    </a:lnT>
+                    <a:lnB w="12700" cap="flat" cmpd="sng" algn="ctr">
+                      <a:solidFill>
+                        <a:schemeClr val="tx1"/>
+                      </a:solidFill>
+                      <a:prstDash val="solid"/>
+                      <a:round/>
+                      <a:headEnd type="none" w="med" len="med"/>
+                      <a:tailEnd type="none" w="med" len="med"/>
+                    </a:lnB>
+                    <a:lnTlToBr w="12700" cmpd="sng">
+                      <a:noFill/>
+                      <a:prstDash val="solid"/>
+                    </a:lnTlToBr>
+                    <a:lnBlToTr w="12700" cmpd="sng">
+                      <a:noFill/>
+                      <a:prstDash val="solid"/>
+                    </a:lnBlToTr>
+                  </a:tcPr>
+                </a:tc>
+                <a:tc>
+                  <a:txBody>
+                    <a:bodyPr/>
+                    <a:lstStyle/>
+                    <a:p>
+                      <a:pPr algn="ctr"/>
+                      <a:r>
+                        <a:rPr lang="en-US" sz="2000" dirty="0" smtClean="0">
+                          <a:solidFill>
+                            <a:srgbClr val="FF0066"/>
+                          </a:solidFill>
+                        </a:rPr>
+                        <a:t>Html</a:t>
+                      </a:r>
+                      <a:r>
+                        <a:rPr lang="en-US" sz="2000" baseline="0" dirty="0" smtClean="0">
+                          <a:solidFill>
+                            <a:srgbClr val="FF0066"/>
+                          </a:solidFill>
+                        </a:rPr>
+                        <a:t> , Css , Java script , Jquery , bootstrap </a:t>
+                      </a:r>
+                      <a:endParaRPr lang="en-US" sz="2000" dirty="0" smtClean="0">
+                        <a:solidFill>
+                          <a:srgbClr val="FF0066"/>
+                        </a:solidFill>
+                      </a:endParaRPr>
+                    </a:p>
+                    <a:p>
+                      <a:pPr algn="ctr"/>
+                      <a:r>
+                        <a:rPr lang="en-US" dirty="0" smtClean="0"/>
+                        <a:t>   </a:t>
+                      </a:r>
+                      <a:endParaRPr lang="en-US" dirty="0"/>
+                    </a:p>
+                  </a:txBody>
+                  <a:tcPr>
+                    <a:lnL w="12700" cap="flat" cmpd="sng" algn="ctr">
+                      <a:solidFill>
+                        <a:schemeClr val="tx1"/>
+                      </a:solidFill>
+                      <a:prstDash val="solid"/>
+                      <a:round/>
+                      <a:headEnd type="none" w="med" len="med"/>
+                      <a:tailEnd type="none" w="med" len="med"/>
+                    </a:lnL>
+                    <a:lnR w="12700" cap="flat" cmpd="sng" algn="ctr">
+                      <a:solidFill>
+                        <a:schemeClr val="tx1"/>
+                      </a:solidFill>
+                      <a:prstDash val="solid"/>
+                      <a:round/>
+                      <a:headEnd type="none" w="med" len="med"/>
+                      <a:tailEnd type="none" w="med" len="med"/>
+                    </a:lnR>
+                    <a:lnT w="12700" cap="flat" cmpd="sng" algn="ctr">
+                      <a:solidFill>
+                        <a:schemeClr val="tx1"/>
+                      </a:solidFill>
+                      <a:prstDash val="solid"/>
+                      <a:round/>
+                      <a:headEnd type="none" w="med" len="med"/>
+                      <a:tailEnd type="none" w="med" len="med"/>
+                    </a:lnT>
+                    <a:lnB w="12700" cap="flat" cmpd="sng" algn="ctr">
+                      <a:solidFill>
+                        <a:schemeClr val="tx1"/>
+                      </a:solidFill>
+                      <a:prstDash val="solid"/>
+                      <a:round/>
+                      <a:headEnd type="none" w="med" len="med"/>
+                      <a:tailEnd type="none" w="med" len="med"/>
+                    </a:lnB>
+                    <a:lnTlToBr w="12700" cmpd="sng">
+                      <a:noFill/>
+                      <a:prstDash val="solid"/>
+                    </a:lnTlToBr>
+                    <a:lnBlToTr w="12700" cmpd="sng">
+                      <a:noFill/>
+                      <a:prstDash val="solid"/>
+                    </a:lnBlToTr>
+                  </a:tcPr>
+                </a:tc>
+                <a:tc>
+                  <a:txBody>
+                    <a:bodyPr/>
+                    <a:lstStyle/>
+                    <a:p>
+                      <a:r>
+                        <a:rPr lang="ar-EG" dirty="0" smtClean="0"/>
+                        <a:t> </a:t>
+                      </a:r>
+                    </a:p>
+                    <a:p>
+                      <a:pPr algn="r"/>
+                      <a:r>
+                        <a:rPr lang="ar-EG" sz="2000" dirty="0" smtClean="0">
+                          <a:solidFill>
+                            <a:srgbClr val="FF0066"/>
+                          </a:solidFill>
+                        </a:rPr>
+                        <a:t>   تصميم وتنسيق الموقع      </a:t>
+                      </a:r>
+                      <a:endParaRPr lang="en-US" sz="2000" dirty="0">
+                        <a:solidFill>
+                          <a:srgbClr val="FF0066"/>
+                        </a:solidFill>
+                      </a:endParaRPr>
+                    </a:p>
+                  </a:txBody>
+                  <a:tcPr>
+                    <a:lnL w="12700" cap="flat" cmpd="sng" algn="ctr">
+                      <a:solidFill>
+                        <a:schemeClr val="tx1"/>
+                      </a:solidFill>
+                      <a:prstDash val="solid"/>
+                      <a:round/>
+                      <a:headEnd type="none" w="med" len="med"/>
+                      <a:tailEnd type="none" w="med" len="med"/>
+                    </a:lnL>
+                    <a:lnR w="12700" cap="flat" cmpd="sng" algn="ctr">
+                      <a:solidFill>
+                        <a:schemeClr val="tx1"/>
+                      </a:solidFill>
+                      <a:prstDash val="solid"/>
+                      <a:round/>
+                      <a:headEnd type="none" w="med" len="med"/>
+                      <a:tailEnd type="none" w="med" len="med"/>
+                    </a:lnR>
+                    <a:lnT w="12700" cap="flat" cmpd="sng" algn="ctr">
+                      <a:solidFill>
+                        <a:schemeClr val="tx1"/>
+                      </a:solidFill>
+                      <a:prstDash val="solid"/>
+                      <a:round/>
+                      <a:headEnd type="none" w="med" len="med"/>
+                      <a:tailEnd type="none" w="med" len="med"/>
+                    </a:lnT>
+                    <a:lnB w="12700" cap="flat" cmpd="sng" algn="ctr">
+                      <a:solidFill>
+                        <a:schemeClr val="tx1"/>
+                      </a:solidFill>
+                      <a:prstDash val="solid"/>
+                      <a:round/>
+                      <a:headEnd type="none" w="med" len="med"/>
+                      <a:tailEnd type="none" w="med" len="med"/>
+                    </a:lnB>
+                    <a:lnTlToBr w="12700" cmpd="sng">
+                      <a:noFill/>
+                      <a:prstDash val="solid"/>
+                    </a:lnTlToBr>
+                    <a:lnBlToTr w="12700" cmpd="sng">
+                      <a:noFill/>
+                      <a:prstDash val="solid"/>
+                    </a:lnBlToTr>
+                  </a:tcPr>
+                </a:tc>
+              </a:tr>
+              <a:tr h="623000">
+                <a:tc>
+                  <a:txBody>
+                    <a:bodyPr/>
+                    <a:lstStyle/>
+                    <a:p>
+                      <a:endParaRPr lang="en-US"/>
+                    </a:p>
+                  </a:txBody>
+                  <a:tcPr>
+                    <a:lnL w="12700" cap="flat" cmpd="sng" algn="ctr">
+                      <a:solidFill>
+                        <a:schemeClr val="tx1"/>
+                      </a:solidFill>
+                      <a:prstDash val="solid"/>
+                      <a:round/>
+                      <a:headEnd type="none" w="med" len="med"/>
+                      <a:tailEnd type="none" w="med" len="med"/>
+                    </a:lnL>
+                    <a:lnR w="12700" cap="flat" cmpd="sng" algn="ctr">
+                      <a:solidFill>
+                        <a:schemeClr val="tx1"/>
+                      </a:solidFill>
+                      <a:prstDash val="solid"/>
+                      <a:round/>
+                      <a:headEnd type="none" w="med" len="med"/>
+                      <a:tailEnd type="none" w="med" len="med"/>
+                    </a:lnR>
+                    <a:lnT w="12700" cap="flat" cmpd="sng" algn="ctr">
+                      <a:solidFill>
+                        <a:schemeClr val="tx1"/>
+                      </a:solidFill>
+                      <a:prstDash val="solid"/>
+                      <a:round/>
+                      <a:headEnd type="none" w="med" len="med"/>
+                      <a:tailEnd type="none" w="med" len="med"/>
+                    </a:lnT>
+                    <a:lnB w="12700" cap="flat" cmpd="sng" algn="ctr">
+                      <a:solidFill>
+                        <a:schemeClr val="tx1"/>
+                      </a:solidFill>
+                      <a:prstDash val="solid"/>
+                      <a:round/>
+                      <a:headEnd type="none" w="med" len="med"/>
+                      <a:tailEnd type="none" w="med" len="med"/>
+                    </a:lnB>
+                    <a:lnTlToBr w="12700" cmpd="sng">
+                      <a:noFill/>
+                      <a:prstDash val="solid"/>
+                    </a:lnTlToBr>
+                    <a:lnBlToTr w="12700" cmpd="sng">
+                      <a:noFill/>
+                      <a:prstDash val="solid"/>
+                    </a:lnBlToTr>
+                  </a:tcPr>
+                </a:tc>
+                <a:tc>
+                  <a:txBody>
+                    <a:bodyPr/>
+                    <a:lstStyle/>
+                    <a:p>
+                      <a:endParaRPr lang="en-US" dirty="0"/>
+                    </a:p>
+                  </a:txBody>
+                  <a:tcPr>
+                    <a:lnL w="12700" cap="flat" cmpd="sng" algn="ctr">
+                      <a:solidFill>
+                        <a:schemeClr val="tx1"/>
+                      </a:solidFill>
+                      <a:prstDash val="solid"/>
+                      <a:round/>
+                      <a:headEnd type="none" w="med" len="med"/>
+                      <a:tailEnd type="none" w="med" len="med"/>
+                    </a:lnL>
+                    <a:lnR w="12700" cap="flat" cmpd="sng" algn="ctr">
+                      <a:solidFill>
+                        <a:schemeClr val="tx1"/>
+                      </a:solidFill>
+                      <a:prstDash val="solid"/>
+                      <a:round/>
+                      <a:headEnd type="none" w="med" len="med"/>
+                      <a:tailEnd type="none" w="med" len="med"/>
+                    </a:lnR>
+                    <a:lnT w="12700" cap="flat" cmpd="sng" algn="ctr">
+                      <a:solidFill>
+                        <a:schemeClr val="tx1"/>
+                      </a:solidFill>
+                      <a:prstDash val="solid"/>
+                      <a:round/>
+                      <a:headEnd type="none" w="med" len="med"/>
+                      <a:tailEnd type="none" w="med" len="med"/>
+                    </a:lnT>
+                    <a:lnB w="12700" cap="flat" cmpd="sng" algn="ctr">
+                      <a:solidFill>
+                        <a:schemeClr val="tx1"/>
+                      </a:solidFill>
+                      <a:prstDash val="solid"/>
+                      <a:round/>
+                      <a:headEnd type="none" w="med" len="med"/>
+                      <a:tailEnd type="none" w="med" len="med"/>
+                    </a:lnB>
+                    <a:lnTlToBr w="12700" cmpd="sng">
+                      <a:noFill/>
+                      <a:prstDash val="solid"/>
+                    </a:lnTlToBr>
+                    <a:lnBlToTr w="12700" cmpd="sng">
+                      <a:noFill/>
+                      <a:prstDash val="solid"/>
+                    </a:lnBlToTr>
+                  </a:tcPr>
+                </a:tc>
+                <a:tc>
+                  <a:txBody>
+                    <a:bodyPr/>
+                    <a:lstStyle/>
+                    <a:p>
+                      <a:endParaRPr lang="ar-EG" dirty="0" smtClean="0"/>
+                    </a:p>
+                    <a:p>
+                      <a:r>
+                        <a:rPr lang="ar-EG" dirty="0" smtClean="0"/>
+                        <a:t> </a:t>
+                      </a:r>
+                      <a:endParaRPr lang="en-US" dirty="0"/>
+                    </a:p>
+                  </a:txBody>
+                  <a:tcPr>
+                    <a:lnL w="12700" cap="flat" cmpd="sng" algn="ctr">
+                      <a:solidFill>
+                        <a:schemeClr val="tx1"/>
+                      </a:solidFill>
+                      <a:prstDash val="solid"/>
+                      <a:round/>
+                      <a:headEnd type="none" w="med" len="med"/>
+                      <a:tailEnd type="none" w="med" len="med"/>
+                    </a:lnL>
+                    <a:lnR w="12700" cap="flat" cmpd="sng" algn="ctr">
+                      <a:solidFill>
+                        <a:schemeClr val="tx1"/>
+                      </a:solidFill>
+                      <a:prstDash val="solid"/>
+                      <a:round/>
+                      <a:headEnd type="none" w="med" len="med"/>
+                      <a:tailEnd type="none" w="med" len="med"/>
+                    </a:lnR>
+                    <a:lnT w="12700" cap="flat" cmpd="sng" algn="ctr">
+                      <a:solidFill>
+                        <a:schemeClr val="tx1"/>
+                      </a:solidFill>
+                      <a:prstDash val="solid"/>
+                      <a:round/>
+                      <a:headEnd type="none" w="med" len="med"/>
+                      <a:tailEnd type="none" w="med" len="med"/>
+                    </a:lnT>
+                    <a:lnB w="12700" cap="flat" cmpd="sng" algn="ctr">
+                      <a:solidFill>
+                        <a:schemeClr val="tx1"/>
+                      </a:solidFill>
+                      <a:prstDash val="solid"/>
+                      <a:round/>
+                      <a:headEnd type="none" w="med" len="med"/>
+                      <a:tailEnd type="none" w="med" len="med"/>
+                    </a:lnB>
+                    <a:lnTlToBr w="12700" cmpd="sng">
+                      <a:noFill/>
+                      <a:prstDash val="solid"/>
+                    </a:lnTlToBr>
+                    <a:lnBlToTr w="12700" cmpd="sng">
+                      <a:noFill/>
+                      <a:prstDash val="solid"/>
+                    </a:lnBlToTr>
+                  </a:tcPr>
+                </a:tc>
+              </a:tr>
+            </a:tbl>
+          </a:graphicData>
+        </a:graphic>
+      </p:graphicFrame>
+    </p:spTree>
+    <p:extLst>
+      <p:ext uri="{BB962C8B-B14F-4D97-AF65-F5344CB8AC3E}">
+        <p14:creationId xmlns:p14="http://schemas.microsoft.com/office/powerpoint/2010/main" val="3832903042"/>
+      </p:ext>
+    </p:extLst>
+  </p:cSld>
+  <p:clrMapOvr>
+    <a:masterClrMapping/>
+  </p:clrMapOvr>
+  <p:timing>
+    <p:tnLst>
+      <p:par>
+        <p:cTn id="1" dur="indefinite" restart="never" nodeType="tmRoot"/>
+      </p:par>
+    </p:tnLst>
+  </p:timing>
+</p:sld>
+</file>
+
 <file path=ppt/slides/slide2.xml><?xml version="1.0" encoding="utf-8"?>
 <p:sld xmlns:a="http://schemas.openxmlformats.org/drawingml/2006/main" xmlns:r="http://schemas.openxmlformats.org/officeDocument/2006/relationships" xmlns:p="http://schemas.openxmlformats.org/presentationml/2006/main">
   <p:cSld>
@@ -4860,7 +6320,7 @@
           <a:p>
             <a:pPr algn="ctr"/>
             <a:r>
-              <a:rPr lang="en-US" dirty="0" smtClean="0"/>
+              <a:rPr lang="en-US" dirty="0" err="1" smtClean="0"/>
               <a:t>php</a:t>
             </a:r>
             <a:endParaRPr lang="en-US" dirty="0"/>
@@ -5126,7 +6586,7 @@
               </a:rPr>
               <a:t>مقدمة</a:t>
             </a:r>
-            <a:r>
+            <a:br>
               <a:rPr lang="ar-EG" dirty="0" smtClean="0">
                 <a:solidFill>
                   <a:schemeClr val="bg2">
@@ -5135,9 +6595,8 @@
                   </a:schemeClr>
                 </a:solidFill>
               </a:rPr>
-              <a:t/>
-            </a:r>
-            <a:br>
+            </a:br>
+            <a:r>
               <a:rPr lang="ar-EG" dirty="0" smtClean="0">
                 <a:solidFill>
                   <a:schemeClr val="bg2">
@@ -5146,8 +6605,9 @@
                   </a:schemeClr>
                 </a:solidFill>
               </a:rPr>
-            </a:br>
-            <a:r>
+              <a:t/>
+            </a:r>
+            <a:br>
               <a:rPr lang="ar-EG" dirty="0" smtClean="0">
                 <a:solidFill>
                   <a:schemeClr val="bg2">
@@ -5156,10 +6616,9 @@
                   </a:schemeClr>
                 </a:solidFill>
               </a:rPr>
-              <a:t/>
-            </a:r>
-            <a:br>
-              <a:rPr lang="ar-EG" dirty="0" smtClean="0">
+            </a:br>
+            <a:r>
+              <a:rPr lang="ar-EG" sz="3100" u="sng" dirty="0" smtClean="0">
                 <a:solidFill>
                   <a:schemeClr val="bg2">
                     <a:lumMod val="40000"/>
@@ -5167,28 +6626,7 @@
                   </a:schemeClr>
                 </a:solidFill>
               </a:rPr>
-            </a:br>
-            <a:r>
-              <a:rPr lang="ar-EG" sz="3100" u="sng" dirty="0" smtClean="0">
-                <a:solidFill>
-                  <a:schemeClr val="bg2">
-                    <a:lumMod val="40000"/>
-                    <a:lumOff val="60000"/>
-                  </a:schemeClr>
-                </a:solidFill>
-              </a:rPr>
-              <a:t>مميزات </a:t>
-            </a:r>
-            <a:r>
-              <a:rPr lang="ar-EG" sz="3100" u="sng" dirty="0" smtClean="0">
-                <a:solidFill>
-                  <a:schemeClr val="bg2">
-                    <a:lumMod val="40000"/>
-                    <a:lumOff val="60000"/>
-                  </a:schemeClr>
-                </a:solidFill>
-              </a:rPr>
-              <a:t>المشروع </a:t>
+              <a:t>مميزات المشروع </a:t>
             </a:r>
             <a:r>
               <a:rPr lang="en-US" dirty="0" smtClean="0">
@@ -6540,6 +7978,601 @@
       </p:par>
     </p:tnLst>
   </p:timing>
+</p:sld>
+</file>
+
+<file path=ppt/slides/slide9.xml><?xml version="1.0" encoding="utf-8"?>
+<p:sld xmlns:a="http://schemas.openxmlformats.org/drawingml/2006/main" xmlns:r="http://schemas.openxmlformats.org/officeDocument/2006/relationships" xmlns:p="http://schemas.openxmlformats.org/presentationml/2006/main">
+  <p:cSld>
+    <p:spTree>
+      <p:nvGrpSpPr>
+        <p:cNvPr id="1" name=""/>
+        <p:cNvGrpSpPr/>
+        <p:nvPr/>
+      </p:nvGrpSpPr>
+      <p:grpSpPr>
+        <a:xfrm>
+          <a:off x="0" y="0"/>
+          <a:ext cx="0" cy="0"/>
+          <a:chOff x="0" y="0"/>
+          <a:chExt cx="0" cy="0"/>
+        </a:xfrm>
+      </p:grpSpPr>
+      <p:sp>
+        <p:nvSpPr>
+          <p:cNvPr id="2" name="Title 1"/>
+          <p:cNvSpPr>
+            <a:spLocks noGrp="1"/>
+          </p:cNvSpPr>
+          <p:nvPr>
+            <p:ph type="title"/>
+          </p:nvPr>
+        </p:nvSpPr>
+        <p:spPr>
+          <a:xfrm>
+            <a:off x="457200" y="152400"/>
+            <a:ext cx="8153400" cy="1143000"/>
+          </a:xfrm>
+        </p:spPr>
+        <p:txBody>
+          <a:bodyPr>
+            <a:noAutofit/>
+          </a:bodyPr>
+          <a:lstStyle/>
+          <a:p>
+            <a:r>
+              <a:rPr lang="ar-EG" sz="3700" dirty="0" smtClean="0">
+                <a:solidFill>
+                  <a:schemeClr val="bg2">
+                    <a:lumMod val="40000"/>
+                    <a:lumOff val="60000"/>
+                  </a:schemeClr>
+                </a:solidFill>
+              </a:rPr>
+              <a:t>التوقع المستقبلي </a:t>
+            </a:r>
+            <a:endParaRPr lang="en-US" sz="3700" dirty="0">
+              <a:solidFill>
+                <a:schemeClr val="bg2">
+                  <a:lumMod val="40000"/>
+                  <a:lumOff val="60000"/>
+                </a:schemeClr>
+              </a:solidFill>
+            </a:endParaRPr>
+          </a:p>
+        </p:txBody>
+      </p:sp>
+      <p:sp>
+        <p:nvSpPr>
+          <p:cNvPr id="5" name="Content Placeholder 4"/>
+          <p:cNvSpPr>
+            <a:spLocks noGrp="1"/>
+          </p:cNvSpPr>
+          <p:nvPr>
+            <p:ph idx="1"/>
+          </p:nvPr>
+        </p:nvSpPr>
+        <p:spPr>
+          <a:xfrm>
+            <a:off x="457200" y="1295400"/>
+            <a:ext cx="8229600" cy="5013960"/>
+          </a:xfrm>
+        </p:spPr>
+        <p:txBody>
+          <a:bodyPr/>
+          <a:lstStyle/>
+          <a:p>
+            <a:pPr marL="137160" indent="0" algn="ctr">
+              <a:buNone/>
+            </a:pPr>
+            <a:r>
+              <a:rPr lang="ar-EG" u="sng" dirty="0">
+                <a:solidFill>
+                  <a:schemeClr val="bg2">
+                    <a:lumMod val="40000"/>
+                    <a:lumOff val="60000"/>
+                  </a:schemeClr>
+                </a:solidFill>
+                <a:effectLst>
+                  <a:outerShdw blurRad="38100" dist="38100" dir="2700000" algn="tl">
+                    <a:srgbClr val="000000">
+                      <a:alpha val="43137"/>
+                    </a:srgbClr>
+                  </a:outerShdw>
+                </a:effectLst>
+                <a:latin typeface="Andalus" pitchFamily="18" charset="-78"/>
+                <a:cs typeface="Andalus" pitchFamily="18" charset="-78"/>
+              </a:rPr>
+              <a:t> </a:t>
+            </a:r>
+            <a:r>
+              <a:rPr lang="ar-EG" u="sng" dirty="0">
+                <a:solidFill>
+                  <a:schemeClr val="bg2">
+                    <a:lumMod val="40000"/>
+                    <a:lumOff val="60000"/>
+                  </a:schemeClr>
+                </a:solidFill>
+                <a:effectLst>
+                  <a:outerShdw blurRad="38100" dist="38100" dir="2700000" algn="tl">
+                    <a:srgbClr val="000000">
+                      <a:alpha val="43137"/>
+                    </a:srgbClr>
+                  </a:outerShdw>
+                </a:effectLst>
+                <a:latin typeface="Arial" pitchFamily="34" charset="0"/>
+                <a:cs typeface="Arial" pitchFamily="34" charset="0"/>
+              </a:rPr>
+              <a:t>قابلية الهدف </a:t>
+            </a:r>
+            <a:r>
+              <a:rPr lang="ar-EG" u="sng" dirty="0" smtClean="0">
+                <a:solidFill>
+                  <a:schemeClr val="bg2">
+                    <a:lumMod val="40000"/>
+                    <a:lumOff val="60000"/>
+                  </a:schemeClr>
+                </a:solidFill>
+                <a:effectLst>
+                  <a:outerShdw blurRad="38100" dist="38100" dir="2700000" algn="tl">
+                    <a:srgbClr val="000000">
+                      <a:alpha val="43137"/>
+                    </a:srgbClr>
+                  </a:outerShdw>
+                </a:effectLst>
+                <a:latin typeface="Arial" pitchFamily="34" charset="0"/>
+                <a:cs typeface="Arial" pitchFamily="34" charset="0"/>
+              </a:rPr>
+              <a:t>للتحقيق</a:t>
+            </a:r>
+          </a:p>
+          <a:p>
+            <a:pPr marL="137160" indent="0" algn="ctr">
+              <a:buNone/>
+            </a:pPr>
+            <a:endParaRPr lang="ar-EG" b="1" u="sng" dirty="0">
+              <a:solidFill>
+                <a:schemeClr val="bg2">
+                  <a:lumMod val="40000"/>
+                  <a:lumOff val="60000"/>
+                </a:schemeClr>
+              </a:solidFill>
+              <a:effectLst>
+                <a:outerShdw blurRad="38100" dist="38100" dir="2700000" algn="tl">
+                  <a:srgbClr val="000000">
+                    <a:alpha val="43137"/>
+                  </a:srgbClr>
+                </a:outerShdw>
+              </a:effectLst>
+              <a:latin typeface="Arial" pitchFamily="34" charset="0"/>
+              <a:cs typeface="Arial" pitchFamily="34" charset="0"/>
+            </a:endParaRPr>
+          </a:p>
+          <a:p>
+            <a:pPr marL="137160" indent="0" algn="ctr">
+              <a:buNone/>
+            </a:pPr>
+            <a:endParaRPr lang="ar-EG" b="1" u="sng" dirty="0" smtClean="0">
+              <a:solidFill>
+                <a:schemeClr val="bg2">
+                  <a:lumMod val="40000"/>
+                  <a:lumOff val="60000"/>
+                </a:schemeClr>
+              </a:solidFill>
+              <a:effectLst>
+                <a:outerShdw blurRad="38100" dist="38100" dir="2700000" algn="tl">
+                  <a:srgbClr val="000000">
+                    <a:alpha val="43137"/>
+                  </a:srgbClr>
+                </a:outerShdw>
+              </a:effectLst>
+              <a:latin typeface="Arial" pitchFamily="34" charset="0"/>
+              <a:cs typeface="Arial" pitchFamily="34" charset="0"/>
+            </a:endParaRPr>
+          </a:p>
+          <a:p>
+            <a:pPr marL="137160" indent="0" algn="ctr">
+              <a:buNone/>
+            </a:pPr>
+            <a:endParaRPr lang="ar-EG" b="1" u="sng" dirty="0" smtClean="0">
+              <a:solidFill>
+                <a:schemeClr val="bg2">
+                  <a:lumMod val="40000"/>
+                  <a:lumOff val="60000"/>
+                </a:schemeClr>
+              </a:solidFill>
+              <a:effectLst>
+                <a:outerShdw blurRad="38100" dist="38100" dir="2700000" algn="tl">
+                  <a:srgbClr val="000000">
+                    <a:alpha val="43137"/>
+                  </a:srgbClr>
+                </a:outerShdw>
+              </a:effectLst>
+              <a:latin typeface="Arial" pitchFamily="34" charset="0"/>
+              <a:cs typeface="Arial" pitchFamily="34" charset="0"/>
+            </a:endParaRPr>
+          </a:p>
+          <a:p>
+            <a:pPr marL="137160" indent="0" algn="ctr">
+              <a:buNone/>
+            </a:pPr>
+            <a:r>
+              <a:rPr lang="ar-EG" u="sng" dirty="0" smtClean="0">
+                <a:solidFill>
+                  <a:schemeClr val="bg2">
+                    <a:lumMod val="40000"/>
+                    <a:lumOff val="60000"/>
+                  </a:schemeClr>
+                </a:solidFill>
+                <a:effectLst>
+                  <a:outerShdw blurRad="38100" dist="38100" dir="2700000" algn="tl">
+                    <a:srgbClr val="000000">
+                      <a:alpha val="43137"/>
+                    </a:srgbClr>
+                  </a:outerShdw>
+                </a:effectLst>
+                <a:latin typeface="Arial" pitchFamily="34" charset="0"/>
+                <a:cs typeface="Arial" pitchFamily="34" charset="0"/>
+              </a:rPr>
+              <a:t> حجم </a:t>
+            </a:r>
+            <a:r>
+              <a:rPr lang="ar-EG" u="sng" dirty="0">
+                <a:solidFill>
+                  <a:schemeClr val="bg2">
+                    <a:lumMod val="40000"/>
+                    <a:lumOff val="60000"/>
+                  </a:schemeClr>
+                </a:solidFill>
+                <a:effectLst>
+                  <a:outerShdw blurRad="38100" dist="38100" dir="2700000" algn="tl">
+                    <a:srgbClr val="000000">
+                      <a:alpha val="43137"/>
+                    </a:srgbClr>
+                  </a:outerShdw>
+                </a:effectLst>
+                <a:latin typeface="Arial" pitchFamily="34" charset="0"/>
+                <a:cs typeface="Arial" pitchFamily="34" charset="0"/>
+              </a:rPr>
+              <a:t>المشروع </a:t>
+            </a:r>
+          </a:p>
+          <a:p>
+            <a:pPr marL="137160" indent="0" algn="ctr">
+              <a:buNone/>
+            </a:pPr>
+            <a:endParaRPr lang="en-US" dirty="0"/>
+          </a:p>
+        </p:txBody>
+      </p:sp>
+      <p:pic>
+        <p:nvPicPr>
+          <p:cNvPr id="3" name="Picture 2"/>
+          <p:cNvPicPr>
+            <a:picLocks noChangeAspect="1"/>
+          </p:cNvPicPr>
+          <p:nvPr/>
+        </p:nvPicPr>
+        <p:blipFill>
+          <a:blip r:embed="rId2">
+            <a:extLst>
+              <a:ext uri="{28A0092B-C50C-407E-A947-70E740481C1C}">
+                <a14:useLocalDpi xmlns:a14="http://schemas.microsoft.com/office/drawing/2010/main" val="0"/>
+              </a:ext>
+            </a:extLst>
+          </a:blip>
+          <a:stretch>
+            <a:fillRect/>
+          </a:stretch>
+        </p:blipFill>
+        <p:spPr>
+          <a:xfrm>
+            <a:off x="152400" y="152400"/>
+            <a:ext cx="1752601" cy="762000"/>
+          </a:xfrm>
+          <a:prstGeom prst="rect">
+            <a:avLst/>
+          </a:prstGeom>
+        </p:spPr>
+      </p:pic>
+      <p:sp>
+        <p:nvSpPr>
+          <p:cNvPr id="4" name="Oval 3"/>
+          <p:cNvSpPr/>
+          <p:nvPr/>
+        </p:nvSpPr>
+        <p:spPr>
+          <a:xfrm>
+            <a:off x="1360714" y="1905000"/>
+            <a:ext cx="6172200" cy="1447800"/>
+          </a:xfrm>
+          <a:prstGeom prst="ellipse">
+            <a:avLst/>
+          </a:prstGeom>
+          <a:solidFill>
+            <a:srgbClr val="FF0066"/>
+          </a:solidFill>
+        </p:spPr>
+        <p:style>
+          <a:lnRef idx="2">
+            <a:schemeClr val="accent1">
+              <a:shade val="50000"/>
+            </a:schemeClr>
+          </a:lnRef>
+          <a:fillRef idx="1">
+            <a:schemeClr val="accent1"/>
+          </a:fillRef>
+          <a:effectRef idx="0">
+            <a:schemeClr val="accent1"/>
+          </a:effectRef>
+          <a:fontRef idx="minor">
+            <a:schemeClr val="lt1"/>
+          </a:fontRef>
+        </p:style>
+        <p:txBody>
+          <a:bodyPr rtlCol="0" anchor="ctr"/>
+          <a:lstStyle/>
+          <a:p>
+            <a:pPr algn="ctr" rtl="1">
+              <a:buNone/>
+            </a:pPr>
+            <a:r>
+              <a:rPr lang="ar-EG" sz="2000" dirty="0">
+                <a:solidFill>
+                  <a:schemeClr val="tx1"/>
+                </a:solidFill>
+                <a:effectLst>
+                  <a:outerShdw blurRad="38100" dist="38100" dir="2700000" algn="tl">
+                    <a:srgbClr val="000000">
+                      <a:alpha val="43137"/>
+                    </a:srgbClr>
+                  </a:outerShdw>
+                </a:effectLst>
+                <a:latin typeface="Arial" pitchFamily="34" charset="0"/>
+                <a:cs typeface="Arial" pitchFamily="34" charset="0"/>
+              </a:rPr>
+              <a:t>لايوجد نظام قائم بنسبة 100</a:t>
+            </a:r>
+            <a:r>
+              <a:rPr lang="ar-EG" sz="2000" dirty="0">
+                <a:solidFill>
+                  <a:srgbClr val="002060"/>
+                </a:solidFill>
+                <a:effectLst>
+                  <a:outerShdw blurRad="38100" dist="38100" dir="2700000" algn="tl">
+                    <a:srgbClr val="000000">
+                      <a:alpha val="43137"/>
+                    </a:srgbClr>
+                  </a:outerShdw>
+                </a:effectLst>
+                <a:latin typeface="Arial" pitchFamily="34" charset="0"/>
+                <a:cs typeface="Arial" pitchFamily="34" charset="0"/>
+              </a:rPr>
+              <a:t> </a:t>
+            </a:r>
+            <a:r>
+              <a:rPr lang="ar-EG" sz="2000" dirty="0">
+                <a:solidFill>
+                  <a:schemeClr val="tx1"/>
+                </a:solidFill>
+                <a:effectLst>
+                  <a:outerShdw blurRad="38100" dist="38100" dir="2700000" algn="tl">
+                    <a:srgbClr val="000000">
+                      <a:alpha val="43137"/>
+                    </a:srgbClr>
+                  </a:outerShdw>
+                </a:effectLst>
+                <a:latin typeface="Arial" pitchFamily="34" charset="0"/>
+                <a:cs typeface="Arial" pitchFamily="34" charset="0"/>
+              </a:rPr>
+              <a:t>% ، </a:t>
+            </a:r>
+          </a:p>
+          <a:p>
+            <a:pPr algn="ctr" rtl="1">
+              <a:buNone/>
+            </a:pPr>
+            <a:r>
+              <a:rPr lang="ar-EG" sz="2000" dirty="0">
+                <a:solidFill>
+                  <a:schemeClr val="tx1"/>
+                </a:solidFill>
+                <a:effectLst>
+                  <a:outerShdw blurRad="38100" dist="38100" dir="2700000" algn="tl">
+                    <a:srgbClr val="000000">
+                      <a:alpha val="43137"/>
+                    </a:srgbClr>
+                  </a:outerShdw>
+                </a:effectLst>
+                <a:latin typeface="Arial" pitchFamily="34" charset="0"/>
+                <a:cs typeface="Arial" pitchFamily="34" charset="0"/>
+              </a:rPr>
+              <a:t>لكن  نأمل أن نصِل إلى أفضل </a:t>
+            </a:r>
+            <a:r>
+              <a:rPr lang="ar-EG" sz="2000" dirty="0" smtClean="0">
+                <a:solidFill>
+                  <a:schemeClr val="tx1"/>
+                </a:solidFill>
+                <a:effectLst>
+                  <a:outerShdw blurRad="38100" dist="38100" dir="2700000" algn="tl">
+                    <a:srgbClr val="000000">
+                      <a:alpha val="43137"/>
+                    </a:srgbClr>
+                  </a:outerShdw>
+                </a:effectLst>
+                <a:latin typeface="Arial" pitchFamily="34" charset="0"/>
+                <a:cs typeface="Arial" pitchFamily="34" charset="0"/>
+              </a:rPr>
+              <a:t>الخدمات ممكنه من اشخاص لديهم العلم والمعرفة الكاملة لتنفيذ الاعمال .</a:t>
+            </a:r>
+            <a:endParaRPr lang="ar-EG" sz="2000" dirty="0">
+              <a:solidFill>
+                <a:srgbClr val="002060"/>
+              </a:solidFill>
+              <a:effectLst>
+                <a:outerShdw blurRad="38100" dist="38100" dir="2700000" algn="tl">
+                  <a:srgbClr val="000000">
+                    <a:alpha val="43137"/>
+                  </a:srgbClr>
+                </a:outerShdw>
+              </a:effectLst>
+              <a:latin typeface="Arial" pitchFamily="34" charset="0"/>
+              <a:cs typeface="Arial" pitchFamily="34" charset="0"/>
+            </a:endParaRPr>
+          </a:p>
+        </p:txBody>
+      </p:sp>
+      <p:sp>
+        <p:nvSpPr>
+          <p:cNvPr id="6" name="Oval 5"/>
+          <p:cNvSpPr/>
+          <p:nvPr/>
+        </p:nvSpPr>
+        <p:spPr>
+          <a:xfrm>
+            <a:off x="1246414" y="4038600"/>
+            <a:ext cx="6400800" cy="2590800"/>
+          </a:xfrm>
+          <a:prstGeom prst="ellipse">
+            <a:avLst/>
+          </a:prstGeom>
+          <a:solidFill>
+            <a:srgbClr val="FF0066"/>
+          </a:solidFill>
+        </p:spPr>
+        <p:style>
+          <a:lnRef idx="2">
+            <a:schemeClr val="accent1">
+              <a:shade val="50000"/>
+            </a:schemeClr>
+          </a:lnRef>
+          <a:fillRef idx="1">
+            <a:schemeClr val="accent1"/>
+          </a:fillRef>
+          <a:effectRef idx="0">
+            <a:schemeClr val="accent1"/>
+          </a:effectRef>
+          <a:fontRef idx="minor">
+            <a:schemeClr val="lt1"/>
+          </a:fontRef>
+        </p:style>
+        <p:txBody>
+          <a:bodyPr rtlCol="0" anchor="ctr"/>
+          <a:lstStyle/>
+          <a:p>
+            <a:pPr algn="ctr" rtl="1">
+              <a:buNone/>
+            </a:pPr>
+            <a:r>
+              <a:rPr lang="ar-EG" sz="2000" dirty="0" smtClean="0">
+                <a:solidFill>
+                  <a:schemeClr val="tx1"/>
+                </a:solidFill>
+                <a:effectLst>
+                  <a:outerShdw blurRad="38100" dist="38100" dir="2700000" algn="tl">
+                    <a:srgbClr val="000000">
+                      <a:alpha val="43137"/>
+                    </a:srgbClr>
+                  </a:outerShdw>
+                </a:effectLst>
+                <a:latin typeface="Arial" pitchFamily="34" charset="0"/>
+                <a:cs typeface="Arial" pitchFamily="34" charset="0"/>
+              </a:rPr>
+              <a:t> </a:t>
+            </a:r>
+          </a:p>
+          <a:p>
+            <a:pPr algn="ctr" rtl="1">
+              <a:buNone/>
+            </a:pPr>
+            <a:r>
+              <a:rPr lang="ar-EG" sz="2000" dirty="0" smtClean="0">
+                <a:solidFill>
+                  <a:schemeClr val="tx1"/>
+                </a:solidFill>
+                <a:effectLst>
+                  <a:outerShdw blurRad="38100" dist="38100" dir="2700000" algn="tl">
+                    <a:srgbClr val="000000">
+                      <a:alpha val="43137"/>
+                    </a:srgbClr>
+                  </a:outerShdw>
+                </a:effectLst>
+                <a:latin typeface="Arial" pitchFamily="34" charset="0"/>
+                <a:cs typeface="Arial" pitchFamily="34" charset="0"/>
+              </a:rPr>
+              <a:t>نأمل ان يتم إستخدام النظام علي مستوي الأشخاص الذين لديهم المعرفة في مجال البرمجة  والتصميم والتسويق والترجمة  في مصر .</a:t>
+            </a:r>
+          </a:p>
+          <a:p>
+            <a:pPr algn="ctr" rtl="1">
+              <a:buNone/>
+            </a:pPr>
+            <a:r>
+              <a:rPr lang="ar-EG" sz="2000" dirty="0" smtClean="0">
+                <a:solidFill>
+                  <a:schemeClr val="tx1"/>
+                </a:solidFill>
+                <a:effectLst>
+                  <a:outerShdw blurRad="38100" dist="38100" dir="2700000" algn="tl">
+                    <a:srgbClr val="000000">
+                      <a:alpha val="43137"/>
+                    </a:srgbClr>
+                  </a:outerShdw>
+                </a:effectLst>
+                <a:latin typeface="Arial" pitchFamily="34" charset="0"/>
+                <a:cs typeface="Arial" pitchFamily="34" charset="0"/>
+              </a:rPr>
+              <a:t> ثم دول الوطن العربي.</a:t>
+            </a:r>
+          </a:p>
+          <a:p>
+            <a:pPr algn="ctr" rtl="1">
+              <a:buNone/>
+            </a:pPr>
+            <a:endParaRPr lang="ar-EG" sz="2000" dirty="0" smtClean="0">
+              <a:solidFill>
+                <a:schemeClr val="tx1"/>
+              </a:solidFill>
+              <a:effectLst>
+                <a:outerShdw blurRad="38100" dist="38100" dir="2700000" algn="tl">
+                  <a:srgbClr val="000000">
+                    <a:alpha val="43137"/>
+                  </a:srgbClr>
+                </a:outerShdw>
+              </a:effectLst>
+              <a:latin typeface="Arial" pitchFamily="34" charset="0"/>
+              <a:cs typeface="Arial" pitchFamily="34" charset="0"/>
+            </a:endParaRPr>
+          </a:p>
+          <a:p>
+            <a:pPr algn="r" rtl="1">
+              <a:buNone/>
+            </a:pPr>
+            <a:endParaRPr lang="en-US" sz="1200" dirty="0">
+              <a:effectLst>
+                <a:outerShdw blurRad="38100" dist="38100" dir="2700000" algn="tl">
+                  <a:srgbClr val="000000">
+                    <a:alpha val="43137"/>
+                  </a:srgbClr>
+                </a:outerShdw>
+              </a:effectLst>
+              <a:latin typeface="Andalus" pitchFamily="18" charset="-78"/>
+              <a:cs typeface="Andalus" pitchFamily="18" charset="-78"/>
+            </a:endParaRPr>
+          </a:p>
+        </p:txBody>
+      </p:sp>
+    </p:spTree>
+    <p:extLst>
+      <p:ext uri="{BB962C8B-B14F-4D97-AF65-F5344CB8AC3E}">
+        <p14:creationId xmlns:p14="http://schemas.microsoft.com/office/powerpoint/2010/main" val="2874493609"/>
+      </p:ext>
+    </p:extLst>
+  </p:cSld>
+  <p:clrMapOvr>
+    <a:masterClrMapping/>
+  </p:clrMapOvr>
 </p:sld>
 </file>
 
